--- a/adelgid_predator/als_seasonality_figure.pptx
+++ b/adelgid_predator/als_seasonality_figure.pptx
@@ -219,7 +219,7 @@
           <a:p>
             <a:fld id="{BF70D90F-BB8A-5A44-8C77-3A9386126CB2}" type="datetimeFigureOut">
               <a:rPr lang="en-US" smtClean="0"/>
-              <a:t>1/9/21</a:t>
+              <a:t>7/12/22</a:t>
             </a:fld>
             <a:endParaRPr lang="en-US"/>
           </a:p>
@@ -2073,7 +2073,7 @@
           <a:p>
             <a:fld id="{F0C5A7E1-C1D0-F44F-A1F1-0112DD707905}" type="datetimeFigureOut">
               <a:rPr lang="en-US" smtClean="0"/>
-              <a:t>1/9/21</a:t>
+              <a:t>7/12/22</a:t>
             </a:fld>
             <a:endParaRPr lang="en-US"/>
           </a:p>
@@ -3532,7 +3532,7 @@
           <a:p>
             <a:fld id="{F0C5A7E1-C1D0-F44F-A1F1-0112DD707905}" type="datetimeFigureOut">
               <a:rPr lang="en-US" smtClean="0"/>
-              <a:t>1/9/21</a:t>
+              <a:t>7/12/22</a:t>
             </a:fld>
             <a:endParaRPr lang="en-US"/>
           </a:p>
@@ -4985,7 +4985,7 @@
           <a:p>
             <a:fld id="{F0C5A7E1-C1D0-F44F-A1F1-0112DD707905}" type="datetimeFigureOut">
               <a:rPr lang="en-US" smtClean="0"/>
-              <a:t>1/9/21</a:t>
+              <a:t>7/12/22</a:t>
             </a:fld>
             <a:endParaRPr lang="en-US"/>
           </a:p>
@@ -6440,7 +6440,7 @@
           <a:p>
             <a:fld id="{F0C5A7E1-C1D0-F44F-A1F1-0112DD707905}" type="datetimeFigureOut">
               <a:rPr lang="en-US" smtClean="0"/>
-              <a:t>1/9/21</a:t>
+              <a:t>7/12/22</a:t>
             </a:fld>
             <a:endParaRPr lang="en-US"/>
           </a:p>
@@ -7948,7 +7948,7 @@
           <a:p>
             <a:fld id="{F0C5A7E1-C1D0-F44F-A1F1-0112DD707905}" type="datetimeFigureOut">
               <a:rPr lang="en-US" smtClean="0"/>
-              <a:t>1/9/21</a:t>
+              <a:t>7/12/22</a:t>
             </a:fld>
             <a:endParaRPr lang="en-US"/>
           </a:p>
@@ -9469,7 +9469,7 @@
           <a:p>
             <a:fld id="{F0C5A7E1-C1D0-F44F-A1F1-0112DD707905}" type="datetimeFigureOut">
               <a:rPr lang="en-US" smtClean="0"/>
-              <a:t>1/9/21</a:t>
+              <a:t>7/12/22</a:t>
             </a:fld>
             <a:endParaRPr lang="en-US"/>
           </a:p>
@@ -11134,7 +11134,7 @@
           <a:p>
             <a:fld id="{F0C5A7E1-C1D0-F44F-A1F1-0112DD707905}" type="datetimeFigureOut">
               <a:rPr lang="en-US" smtClean="0"/>
-              <a:t>1/9/21</a:t>
+              <a:t>7/12/22</a:t>
             </a:fld>
             <a:endParaRPr lang="en-US"/>
           </a:p>
@@ -12532,7 +12532,7 @@
           <a:p>
             <a:fld id="{F0C5A7E1-C1D0-F44F-A1F1-0112DD707905}" type="datetimeFigureOut">
               <a:rPr lang="en-US" smtClean="0"/>
-              <a:t>1/9/21</a:t>
+              <a:t>7/12/22</a:t>
             </a:fld>
             <a:endParaRPr lang="en-US"/>
           </a:p>
@@ -12632,7 +12632,7 @@
           <a:p>
             <a:fld id="{F0C5A7E1-C1D0-F44F-A1F1-0112DD707905}" type="datetimeFigureOut">
               <a:rPr lang="en-US" smtClean="0"/>
-              <a:t>1/9/21</a:t>
+              <a:t>7/12/22</a:t>
             </a:fld>
             <a:endParaRPr lang="en-US"/>
           </a:p>
@@ -14158,7 +14158,7 @@
           <a:p>
             <a:fld id="{F0C5A7E1-C1D0-F44F-A1F1-0112DD707905}" type="datetimeFigureOut">
               <a:rPr lang="en-US" smtClean="0"/>
-              <a:t>1/9/21</a:t>
+              <a:t>7/12/22</a:t>
             </a:fld>
             <a:endParaRPr lang="en-US"/>
           </a:p>
@@ -15694,7 +15694,7 @@
           <a:p>
             <a:fld id="{F0C5A7E1-C1D0-F44F-A1F1-0112DD707905}" type="datetimeFigureOut">
               <a:rPr lang="en-US" smtClean="0"/>
-              <a:t>1/9/21</a:t>
+              <a:t>7/12/22</a:t>
             </a:fld>
             <a:endParaRPr lang="en-US"/>
           </a:p>
@@ -15917,7 +15917,7 @@
           <a:p>
             <a:fld id="{F0C5A7E1-C1D0-F44F-A1F1-0112DD707905}" type="datetimeFigureOut">
               <a:rPr lang="en-US" smtClean="0"/>
-              <a:t>1/9/21</a:t>
+              <a:t>7/12/22</a:t>
             </a:fld>
             <a:endParaRPr lang="en-US"/>
           </a:p>
@@ -16370,10 +16370,10 @@
       </p:grpSpPr>
       <p:grpSp>
         <p:nvGrpSpPr>
-          <p:cNvPr id="27" name="Group 26">
+          <p:cNvPr id="2" name="Group 1">
             <a:extLst>
               <a:ext uri="{FF2B5EF4-FFF2-40B4-BE49-F238E27FC236}">
-                <a16:creationId xmlns:a16="http://schemas.microsoft.com/office/drawing/2014/main" id="{329B74D5-D5E7-8542-9751-B46C9684756E}"/>
+                <a16:creationId xmlns:a16="http://schemas.microsoft.com/office/drawing/2014/main" id="{8DE3B55D-259C-AE66-4239-6D6934BF0C3C}"/>
               </a:ext>
             </a:extLst>
           </p:cNvPr>
@@ -16467,12 +16467,12 @@
                 <a:gd name="adj" fmla="val 328"/>
               </a:avLst>
             </a:prstGeom>
-            <a:solidFill>
-              <a:srgbClr val="0078B6"/>
-            </a:solidFill>
+            <a:noFill/>
             <a:ln w="25400">
               <a:solidFill>
-                <a:srgbClr val="0078B6"/>
+                <a:srgbClr val="0078B6">
+                  <a:alpha val="80000"/>
+                </a:srgbClr>
               </a:solidFill>
               <a:prstDash val="solid"/>
             </a:ln>
@@ -16498,8 +16498,11 @@
               <a:pPr algn="ctr"/>
               <a:endParaRPr lang="en-US" b="1" dirty="0">
                 <a:solidFill>
-                  <a:schemeClr val="tx1"/>
+                  <a:srgbClr val="FF0000"/>
                 </a:solidFill>
+                <a:highlight>
+                  <a:srgbClr val="0078B6"/>
+                </a:highlight>
                 <a:latin typeface="Times" pitchFamily="2" charset="0"/>
               </a:endParaRPr>
             </a:p>
@@ -16708,9 +16711,12 @@
                 <a:gd name="adj" fmla="val 257"/>
               </a:avLst>
             </a:prstGeom>
+            <a:noFill/>
             <a:ln w="25400">
               <a:solidFill>
-                <a:srgbClr val="0078B6"/>
+                <a:srgbClr val="0078B6">
+                  <a:alpha val="80000"/>
+                </a:srgbClr>
               </a:solidFill>
               <a:prstDash val="sysDash"/>
             </a:ln>
@@ -17043,12 +17049,12 @@
               </a:avLst>
             </a:prstGeom>
             <a:solidFill>
-              <a:srgbClr val="F6A21F"/>
+              <a:srgbClr val="F6A21F">
+                <a:alpha val="50196"/>
+              </a:srgbClr>
             </a:solidFill>
             <a:ln>
-              <a:solidFill>
-                <a:srgbClr val="F6A21F"/>
-              </a:solidFill>
+              <a:noFill/>
               <a:prstDash val="solid"/>
             </a:ln>
           </p:spPr>
@@ -17071,7 +17077,7 @@
             <a:lstStyle/>
             <a:p>
               <a:pPr algn="ctr"/>
-              <a:endParaRPr lang="en-US" b="1">
+              <a:endParaRPr lang="en-US" b="1" dirty="0">
                 <a:solidFill>
                   <a:schemeClr val="tx1"/>
                 </a:solidFill>
@@ -17339,9 +17345,16 @@
                 <a:gd name="adj" fmla="val 676"/>
               </a:avLst>
             </a:prstGeom>
+            <a:solidFill>
+              <a:srgbClr val="FFFFFF">
+                <a:alpha val="50196"/>
+              </a:srgbClr>
+            </a:solidFill>
             <a:ln w="25400">
               <a:solidFill>
-                <a:srgbClr val="F6A21F"/>
+                <a:srgbClr val="F6A21F">
+                  <a:alpha val="50196"/>
+                </a:srgbClr>
               </a:solidFill>
               <a:prstDash val="sysDash"/>
             </a:ln>
@@ -19123,540 +19136,523 @@
             </a:p>
           </p:txBody>
         </p:sp>
-        <p:grpSp>
-          <p:nvGrpSpPr>
-            <p:cNvPr id="41" name="Group 40">
+        <p:sp>
+          <p:nvSpPr>
+            <p:cNvPr id="3" name="Rectangle 2">
               <a:extLst>
                 <a:ext uri="{FF2B5EF4-FFF2-40B4-BE49-F238E27FC236}">
-                  <a16:creationId xmlns:a16="http://schemas.microsoft.com/office/drawing/2014/main" id="{0EABDB7A-109D-C24C-9714-413F156BCF64}"/>
+                  <a16:creationId xmlns:a16="http://schemas.microsoft.com/office/drawing/2014/main" id="{44BD7C7C-6901-1D40-84BE-9597326FDB56}"/>
                 </a:ext>
               </a:extLst>
             </p:cNvPr>
-            <p:cNvGrpSpPr/>
-            <p:nvPr/>
-          </p:nvGrpSpPr>
-          <p:grpSpPr>
+            <p:cNvSpPr/>
+            <p:nvPr/>
+          </p:nvSpPr>
+          <p:spPr>
             <a:xfrm>
               <a:off x="2885866" y="8012740"/>
               <a:ext cx="3530741" cy="1922454"/>
-              <a:chOff x="416794" y="8606589"/>
-              <a:chExt cx="3530741" cy="1922454"/>
-            </a:xfrm>
-          </p:grpSpPr>
-          <p:sp>
-            <p:nvSpPr>
-              <p:cNvPr id="3" name="Rectangle 2">
-                <a:extLst>
-                  <a:ext uri="{FF2B5EF4-FFF2-40B4-BE49-F238E27FC236}">
-                    <a16:creationId xmlns:a16="http://schemas.microsoft.com/office/drawing/2014/main" id="{44BD7C7C-6901-1D40-84BE-9597326FDB56}"/>
-                  </a:ext>
-                </a:extLst>
-              </p:cNvPr>
-              <p:cNvSpPr/>
-              <p:nvPr/>
-            </p:nvSpPr>
-            <p:spPr>
-              <a:xfrm>
-                <a:off x="416794" y="8606589"/>
-                <a:ext cx="3530741" cy="1922454"/>
-              </a:xfrm>
-              <a:prstGeom prst="rect">
-                <a:avLst/>
-              </a:prstGeom>
-            </p:spPr>
-            <p:style>
-              <a:lnRef idx="2">
-                <a:schemeClr val="dk1"/>
-              </a:lnRef>
-              <a:fillRef idx="1">
-                <a:schemeClr val="lt1"/>
-              </a:fillRef>
-              <a:effectRef idx="0">
-                <a:schemeClr val="dk1"/>
-              </a:effectRef>
-              <a:fontRef idx="minor">
-                <a:schemeClr val="dk1"/>
-              </a:fontRef>
-            </p:style>
-            <p:txBody>
-              <a:bodyPr rtlCol="0" anchor="ctr"/>
-              <a:lstStyle/>
-              <a:p>
-                <a:pPr marL="1097280" lvl="3"/>
-                <a:r>
-                  <a:rPr lang="en-US" sz="2000" b="1" i="1" dirty="0">
-                    <a:latin typeface="Times" pitchFamily="2" charset="0"/>
-                  </a:rPr>
-                  <a:t>A. </a:t>
-                </a:r>
-                <a:r>
-                  <a:rPr lang="en-US" sz="2000" b="1" i="1" dirty="0" err="1">
-                    <a:latin typeface="Times" pitchFamily="2" charset="0"/>
-                  </a:rPr>
-                  <a:t>tsugae</a:t>
-                </a:r>
-                <a:r>
-                  <a:rPr lang="en-US" sz="2000" b="1" i="1" dirty="0">
-                    <a:latin typeface="Times" pitchFamily="2" charset="0"/>
-                  </a:rPr>
-                  <a:t> eggs</a:t>
-                </a:r>
-              </a:p>
-              <a:p>
-                <a:pPr marL="1097280" lvl="3"/>
-                <a:r>
-                  <a:rPr lang="en-US" sz="2000" b="1" i="1" dirty="0">
-                    <a:latin typeface="Times" pitchFamily="2" charset="0"/>
-                  </a:rPr>
-                  <a:t>A. </a:t>
-                </a:r>
-                <a:r>
-                  <a:rPr lang="en-US" sz="2000" b="1" i="1" dirty="0" err="1">
-                    <a:latin typeface="Times" pitchFamily="2" charset="0"/>
-                  </a:rPr>
-                  <a:t>tsugae</a:t>
-                </a:r>
-                <a:endParaRPr lang="en-US" sz="2000" b="1" i="1" dirty="0">
+            </a:xfrm>
+            <a:prstGeom prst="rect">
+              <a:avLst/>
+            </a:prstGeom>
+          </p:spPr>
+          <p:style>
+            <a:lnRef idx="2">
+              <a:schemeClr val="dk1"/>
+            </a:lnRef>
+            <a:fillRef idx="1">
+              <a:schemeClr val="lt1"/>
+            </a:fillRef>
+            <a:effectRef idx="0">
+              <a:schemeClr val="dk1"/>
+            </a:effectRef>
+            <a:fontRef idx="minor">
+              <a:schemeClr val="dk1"/>
+            </a:fontRef>
+          </p:style>
+          <p:txBody>
+            <a:bodyPr rtlCol="0" anchor="ctr"/>
+            <a:lstStyle/>
+            <a:p>
+              <a:pPr marL="1097280" lvl="3"/>
+              <a:r>
+                <a:rPr lang="en-US" sz="2000" b="1" i="1" dirty="0">
                   <a:latin typeface="Times" pitchFamily="2" charset="0"/>
-                </a:endParaRPr>
-              </a:p>
-              <a:p>
-                <a:pPr marL="1097280" lvl="3"/>
-                <a:r>
-                  <a:rPr lang="en-US" sz="2000" b="1" i="1" dirty="0">
-                    <a:latin typeface="Times" pitchFamily="2" charset="0"/>
-                  </a:rPr>
-                  <a:t>L. </a:t>
-                </a:r>
-                <a:r>
-                  <a:rPr lang="en-US" sz="2000" b="1" i="1" dirty="0" err="1">
-                    <a:latin typeface="Times" pitchFamily="2" charset="0"/>
-                  </a:rPr>
-                  <a:t>nigrinus</a:t>
-                </a:r>
-                <a:r>
-                  <a:rPr lang="en-US" sz="2000" b="1" dirty="0">
-                    <a:latin typeface="Times" pitchFamily="2" charset="0"/>
-                  </a:rPr>
-                  <a:t> larvae</a:t>
-                </a:r>
-              </a:p>
-              <a:p>
-                <a:pPr marL="1097280" lvl="3"/>
-                <a:r>
-                  <a:rPr lang="en-US" sz="2000" b="1" i="1" dirty="0">
-                    <a:latin typeface="Times" pitchFamily="2" charset="0"/>
-                  </a:rPr>
-                  <a:t>L. </a:t>
-                </a:r>
-                <a:r>
-                  <a:rPr lang="en-US" sz="2000" b="1" i="1" dirty="0" err="1">
-                    <a:latin typeface="Times" pitchFamily="2" charset="0"/>
-                  </a:rPr>
-                  <a:t>nigrinus</a:t>
-                </a:r>
-                <a:r>
-                  <a:rPr lang="en-US" sz="2000" b="1" dirty="0">
-                    <a:latin typeface="Times" pitchFamily="2" charset="0"/>
-                  </a:rPr>
-                  <a:t> adults</a:t>
-                </a:r>
-              </a:p>
-              <a:p>
-                <a:pPr marL="1097280" lvl="3"/>
-                <a:r>
-                  <a:rPr lang="en-US" sz="2000" b="1" i="1" dirty="0">
-                    <a:latin typeface="Times" pitchFamily="2" charset="0"/>
-                  </a:rPr>
-                  <a:t>S. </a:t>
-                </a:r>
-                <a:r>
-                  <a:rPr lang="en-US" sz="2000" b="1" i="1" dirty="0" err="1">
-                    <a:latin typeface="Times" pitchFamily="2" charset="0"/>
-                  </a:rPr>
-                  <a:t>tsugae</a:t>
-                </a:r>
-                <a:r>
-                  <a:rPr lang="en-US" sz="2000" b="1" dirty="0">
-                    <a:latin typeface="Times" pitchFamily="2" charset="0"/>
-                  </a:rPr>
-                  <a:t> larvae</a:t>
-                </a:r>
-              </a:p>
-              <a:p>
-                <a:pPr marL="1097280" lvl="3"/>
-                <a:r>
-                  <a:rPr lang="en-US" sz="2000" b="1" i="1" dirty="0">
-                    <a:latin typeface="Times" pitchFamily="2" charset="0"/>
-                  </a:rPr>
-                  <a:t>S. </a:t>
-                </a:r>
-                <a:r>
-                  <a:rPr lang="en-US" sz="2000" b="1" i="1" dirty="0" err="1">
-                    <a:latin typeface="Times" pitchFamily="2" charset="0"/>
-                  </a:rPr>
-                  <a:t>tsugae</a:t>
-                </a:r>
-                <a:r>
-                  <a:rPr lang="en-US" sz="2000" b="1" dirty="0">
-                    <a:latin typeface="Times" pitchFamily="2" charset="0"/>
-                  </a:rPr>
-                  <a:t> adults</a:t>
-                </a:r>
-              </a:p>
-            </p:txBody>
-          </p:sp>
-          <p:sp>
-            <p:nvSpPr>
-              <p:cNvPr id="63" name="Rectangle 62">
-                <a:extLst>
-                  <a:ext uri="{FF2B5EF4-FFF2-40B4-BE49-F238E27FC236}">
-                    <a16:creationId xmlns:a16="http://schemas.microsoft.com/office/drawing/2014/main" id="{3137E289-EBA1-594C-AECC-42A2AF928A73}"/>
-                  </a:ext>
-                </a:extLst>
-              </p:cNvPr>
-              <p:cNvSpPr/>
-              <p:nvPr/>
-            </p:nvSpPr>
-            <p:spPr>
-              <a:xfrm>
-                <a:off x="677395" y="9065916"/>
-                <a:ext cx="857997" cy="72724"/>
-              </a:xfrm>
-              <a:prstGeom prst="rect">
-                <a:avLst/>
-              </a:prstGeom>
+                </a:rPr>
+                <a:t>A. </a:t>
+              </a:r>
+              <a:r>
+                <a:rPr lang="en-US" sz="2000" b="1" i="1" dirty="0" err="1">
+                  <a:latin typeface="Times" pitchFamily="2" charset="0"/>
+                </a:rPr>
+                <a:t>tsugae</a:t>
+              </a:r>
+              <a:r>
+                <a:rPr lang="en-US" sz="2000" b="1" i="1" dirty="0">
+                  <a:latin typeface="Times" pitchFamily="2" charset="0"/>
+                </a:rPr>
+                <a:t> eggs</a:t>
+              </a:r>
+            </a:p>
+            <a:p>
+              <a:pPr marL="1097280" lvl="3"/>
+              <a:r>
+                <a:rPr lang="en-US" sz="2000" b="1" i="1" dirty="0">
+                  <a:latin typeface="Times" pitchFamily="2" charset="0"/>
+                </a:rPr>
+                <a:t>A. </a:t>
+              </a:r>
+              <a:r>
+                <a:rPr lang="en-US" sz="2000" b="1" i="1" dirty="0" err="1">
+                  <a:latin typeface="Times" pitchFamily="2" charset="0"/>
+                </a:rPr>
+                <a:t>tsugae</a:t>
+              </a:r>
+              <a:endParaRPr lang="en-US" sz="2000" b="1" i="1" dirty="0">
+                <a:latin typeface="Times" pitchFamily="2" charset="0"/>
+              </a:endParaRPr>
+            </a:p>
+            <a:p>
+              <a:pPr marL="1097280" lvl="3"/>
+              <a:r>
+                <a:rPr lang="en-US" sz="2000" b="1" i="1" dirty="0">
+                  <a:latin typeface="Times" pitchFamily="2" charset="0"/>
+                </a:rPr>
+                <a:t>L. </a:t>
+              </a:r>
+              <a:r>
+                <a:rPr lang="en-US" sz="2000" b="1" i="1" dirty="0" err="1">
+                  <a:latin typeface="Times" pitchFamily="2" charset="0"/>
+                </a:rPr>
+                <a:t>nigrinus</a:t>
+              </a:r>
+              <a:r>
+                <a:rPr lang="en-US" sz="2000" b="1" dirty="0">
+                  <a:latin typeface="Times" pitchFamily="2" charset="0"/>
+                </a:rPr>
+                <a:t> larvae</a:t>
+              </a:r>
+            </a:p>
+            <a:p>
+              <a:pPr marL="1097280" lvl="3"/>
+              <a:r>
+                <a:rPr lang="en-US" sz="2000" b="1" i="1" dirty="0">
+                  <a:latin typeface="Times" pitchFamily="2" charset="0"/>
+                </a:rPr>
+                <a:t>L. </a:t>
+              </a:r>
+              <a:r>
+                <a:rPr lang="en-US" sz="2000" b="1" i="1" dirty="0" err="1">
+                  <a:latin typeface="Times" pitchFamily="2" charset="0"/>
+                </a:rPr>
+                <a:t>nigrinus</a:t>
+              </a:r>
+              <a:r>
+                <a:rPr lang="en-US" sz="2000" b="1" dirty="0">
+                  <a:latin typeface="Times" pitchFamily="2" charset="0"/>
+                </a:rPr>
+                <a:t> adults</a:t>
+              </a:r>
+            </a:p>
+            <a:p>
+              <a:pPr marL="1097280" lvl="3"/>
+              <a:r>
+                <a:rPr lang="en-US" sz="2000" b="1" i="1" dirty="0">
+                  <a:latin typeface="Times" pitchFamily="2" charset="0"/>
+                </a:rPr>
+                <a:t>S. </a:t>
+              </a:r>
+              <a:r>
+                <a:rPr lang="en-US" sz="2000" b="1" i="1" dirty="0" err="1">
+                  <a:latin typeface="Times" pitchFamily="2" charset="0"/>
+                </a:rPr>
+                <a:t>tsugae</a:t>
+              </a:r>
+              <a:r>
+                <a:rPr lang="en-US" sz="2000" b="1" dirty="0">
+                  <a:latin typeface="Times" pitchFamily="2" charset="0"/>
+                </a:rPr>
+                <a:t> larvae</a:t>
+              </a:r>
+            </a:p>
+            <a:p>
+              <a:pPr marL="1097280" lvl="3"/>
+              <a:r>
+                <a:rPr lang="en-US" sz="2000" b="1" i="1" dirty="0">
+                  <a:latin typeface="Times" pitchFamily="2" charset="0"/>
+                </a:rPr>
+                <a:t>S. </a:t>
+              </a:r>
+              <a:r>
+                <a:rPr lang="en-US" sz="2000" b="1" i="1" dirty="0" err="1">
+                  <a:latin typeface="Times" pitchFamily="2" charset="0"/>
+                </a:rPr>
+                <a:t>tsugae</a:t>
+              </a:r>
+              <a:r>
+                <a:rPr lang="en-US" sz="2000" b="1" dirty="0">
+                  <a:latin typeface="Times" pitchFamily="2" charset="0"/>
+                </a:rPr>
+                <a:t> adults</a:t>
+              </a:r>
+            </a:p>
+          </p:txBody>
+        </p:sp>
+        <p:sp>
+          <p:nvSpPr>
+            <p:cNvPr id="63" name="Rectangle 62">
+              <a:extLst>
+                <a:ext uri="{FF2B5EF4-FFF2-40B4-BE49-F238E27FC236}">
+                  <a16:creationId xmlns:a16="http://schemas.microsoft.com/office/drawing/2014/main" id="{3137E289-EBA1-594C-AECC-42A2AF928A73}"/>
+                </a:ext>
+              </a:extLst>
+            </p:cNvPr>
+            <p:cNvSpPr/>
+            <p:nvPr/>
+          </p:nvSpPr>
+          <p:spPr>
+            <a:xfrm>
+              <a:off x="3146467" y="8472067"/>
+              <a:ext cx="857997" cy="72724"/>
+            </a:xfrm>
+            <a:prstGeom prst="rect">
+              <a:avLst/>
+            </a:prstGeom>
+            <a:solidFill>
+              <a:schemeClr val="tx1">
+                <a:lumMod val="75000"/>
+                <a:lumOff val="25000"/>
+              </a:schemeClr>
+            </a:solidFill>
+            <a:ln w="34925">
               <a:solidFill>
                 <a:schemeClr val="tx1">
                   <a:lumMod val="75000"/>
                   <a:lumOff val="25000"/>
                 </a:schemeClr>
               </a:solidFill>
-              <a:ln w="34925">
-                <a:solidFill>
-                  <a:schemeClr val="tx1">
-                    <a:lumMod val="75000"/>
-                    <a:lumOff val="25000"/>
-                  </a:schemeClr>
-                </a:solidFill>
-              </a:ln>
-            </p:spPr>
-            <p:style>
-              <a:lnRef idx="2">
-                <a:schemeClr val="accent1">
-                  <a:shade val="50000"/>
+            </a:ln>
+          </p:spPr>
+          <p:style>
+            <a:lnRef idx="2">
+              <a:schemeClr val="accent1">
+                <a:shade val="50000"/>
+              </a:schemeClr>
+            </a:lnRef>
+            <a:fillRef idx="1">
+              <a:schemeClr val="accent1"/>
+            </a:fillRef>
+            <a:effectRef idx="0">
+              <a:schemeClr val="accent1"/>
+            </a:effectRef>
+            <a:fontRef idx="minor">
+              <a:schemeClr val="lt1"/>
+            </a:fontRef>
+          </p:style>
+          <p:txBody>
+            <a:bodyPr rtlCol="0" anchor="ctr"/>
+            <a:lstStyle/>
+            <a:p>
+              <a:pPr algn="ctr"/>
+              <a:endParaRPr lang="en-US" b="1" dirty="0">
+                <a:latin typeface="Times" pitchFamily="2" charset="0"/>
+              </a:endParaRPr>
+            </a:p>
+          </p:txBody>
+        </p:sp>
+        <p:sp>
+          <p:nvSpPr>
+            <p:cNvPr id="64" name="Rectangle 63">
+              <a:extLst>
+                <a:ext uri="{FF2B5EF4-FFF2-40B4-BE49-F238E27FC236}">
+                  <a16:creationId xmlns:a16="http://schemas.microsoft.com/office/drawing/2014/main" id="{ED083CAF-2D34-FC4F-9ECE-241B9BC92F6C}"/>
+                </a:ext>
+              </a:extLst>
+            </p:cNvPr>
+            <p:cNvSpPr/>
+            <p:nvPr/>
+          </p:nvSpPr>
+          <p:spPr>
+            <a:xfrm>
+              <a:off x="3146383" y="8791009"/>
+              <a:ext cx="847852" cy="54864"/>
+            </a:xfrm>
+            <a:prstGeom prst="rect">
+              <a:avLst/>
+            </a:prstGeom>
+            <a:solidFill>
+              <a:schemeClr val="bg1"/>
+            </a:solidFill>
+            <a:ln w="41275">
+              <a:solidFill>
+                <a:srgbClr val="F6A21F">
+                  <a:alpha val="50196"/>
+                </a:srgbClr>
+              </a:solidFill>
+              <a:prstDash val="dash"/>
+            </a:ln>
+          </p:spPr>
+          <p:style>
+            <a:lnRef idx="2">
+              <a:schemeClr val="accent1">
+                <a:shade val="50000"/>
+              </a:schemeClr>
+            </a:lnRef>
+            <a:fillRef idx="1">
+              <a:schemeClr val="accent1"/>
+            </a:fillRef>
+            <a:effectRef idx="0">
+              <a:schemeClr val="accent1"/>
+            </a:effectRef>
+            <a:fontRef idx="minor">
+              <a:schemeClr val="lt1"/>
+            </a:fontRef>
+          </p:style>
+          <p:txBody>
+            <a:bodyPr rtlCol="0" anchor="ctr"/>
+            <a:lstStyle/>
+            <a:p>
+              <a:pPr algn="ctr"/>
+              <a:endParaRPr lang="en-US" b="1">
+                <a:latin typeface="Times" pitchFamily="2" charset="0"/>
+              </a:endParaRPr>
+            </a:p>
+          </p:txBody>
+        </p:sp>
+        <p:sp>
+          <p:nvSpPr>
+            <p:cNvPr id="65" name="Rectangle 64">
+              <a:extLst>
+                <a:ext uri="{FF2B5EF4-FFF2-40B4-BE49-F238E27FC236}">
+                  <a16:creationId xmlns:a16="http://schemas.microsoft.com/office/drawing/2014/main" id="{99885D5D-49B6-4C44-9530-1DFF91A0702C}"/>
+                </a:ext>
+              </a:extLst>
+            </p:cNvPr>
+            <p:cNvSpPr/>
+            <p:nvPr/>
+          </p:nvSpPr>
+          <p:spPr>
+            <a:xfrm>
+              <a:off x="3140541" y="9062049"/>
+              <a:ext cx="859536" cy="111459"/>
+            </a:xfrm>
+            <a:prstGeom prst="rect">
+              <a:avLst/>
+            </a:prstGeom>
+            <a:solidFill>
+              <a:srgbClr val="F6A21F">
+                <a:alpha val="50196"/>
+              </a:srgbClr>
+            </a:solidFill>
+            <a:ln w="34925">
+              <a:noFill/>
+              <a:prstDash val="solid"/>
+            </a:ln>
+          </p:spPr>
+          <p:style>
+            <a:lnRef idx="2">
+              <a:schemeClr val="accent1">
+                <a:shade val="50000"/>
+              </a:schemeClr>
+            </a:lnRef>
+            <a:fillRef idx="1">
+              <a:schemeClr val="accent1"/>
+            </a:fillRef>
+            <a:effectRef idx="0">
+              <a:schemeClr val="accent1"/>
+            </a:effectRef>
+            <a:fontRef idx="minor">
+              <a:schemeClr val="lt1"/>
+            </a:fontRef>
+          </p:style>
+          <p:txBody>
+            <a:bodyPr rtlCol="0" anchor="ctr"/>
+            <a:lstStyle/>
+            <a:p>
+              <a:pPr algn="ctr"/>
+              <a:endParaRPr lang="en-US" b="1">
+                <a:latin typeface="Times" pitchFamily="2" charset="0"/>
+              </a:endParaRPr>
+            </a:p>
+          </p:txBody>
+        </p:sp>
+        <p:sp>
+          <p:nvSpPr>
+            <p:cNvPr id="75" name="Rectangle 74">
+              <a:extLst>
+                <a:ext uri="{FF2B5EF4-FFF2-40B4-BE49-F238E27FC236}">
+                  <a16:creationId xmlns:a16="http://schemas.microsoft.com/office/drawing/2014/main" id="{940007BE-803A-2847-8E24-34B61AE21024}"/>
+                </a:ext>
+              </a:extLst>
+            </p:cNvPr>
+            <p:cNvSpPr/>
+            <p:nvPr/>
+          </p:nvSpPr>
+          <p:spPr>
+            <a:xfrm flipV="1">
+              <a:off x="3134699" y="9686305"/>
+              <a:ext cx="859536" cy="109728"/>
+            </a:xfrm>
+            <a:prstGeom prst="rect">
+              <a:avLst/>
+            </a:prstGeom>
+            <a:solidFill>
+              <a:srgbClr val="0078B6">
+                <a:alpha val="80000"/>
+              </a:srgbClr>
+            </a:solidFill>
+            <a:ln w="38100">
+              <a:noFill/>
+              <a:prstDash val="solid"/>
+            </a:ln>
+          </p:spPr>
+          <p:style>
+            <a:lnRef idx="2">
+              <a:schemeClr val="accent1">
+                <a:shade val="50000"/>
+              </a:schemeClr>
+            </a:lnRef>
+            <a:fillRef idx="1">
+              <a:schemeClr val="accent1"/>
+            </a:fillRef>
+            <a:effectRef idx="0">
+              <a:schemeClr val="accent1"/>
+            </a:effectRef>
+            <a:fontRef idx="minor">
+              <a:schemeClr val="lt1"/>
+            </a:fontRef>
+          </p:style>
+          <p:txBody>
+            <a:bodyPr rtlCol="0" anchor="ctr"/>
+            <a:lstStyle/>
+            <a:p>
+              <a:pPr algn="ctr"/>
+              <a:endParaRPr lang="en-US" b="1">
+                <a:latin typeface="Times" pitchFamily="2" charset="0"/>
+              </a:endParaRPr>
+            </a:p>
+          </p:txBody>
+        </p:sp>
+        <p:sp>
+          <p:nvSpPr>
+            <p:cNvPr id="74" name="Rectangle 73">
+              <a:extLst>
+                <a:ext uri="{FF2B5EF4-FFF2-40B4-BE49-F238E27FC236}">
+                  <a16:creationId xmlns:a16="http://schemas.microsoft.com/office/drawing/2014/main" id="{C34BEA0B-E935-7B48-8AB2-AD51E2A96C52}"/>
+                </a:ext>
+              </a:extLst>
+            </p:cNvPr>
+            <p:cNvSpPr/>
+            <p:nvPr/>
+          </p:nvSpPr>
+          <p:spPr>
+            <a:xfrm>
+              <a:off x="3156364" y="9413534"/>
+              <a:ext cx="847852" cy="56530"/>
+            </a:xfrm>
+            <a:prstGeom prst="rect">
+              <a:avLst/>
+            </a:prstGeom>
+            <a:solidFill>
+              <a:schemeClr val="bg1"/>
+            </a:solidFill>
+            <a:ln w="41275">
+              <a:solidFill>
+                <a:srgbClr val="0078B6">
+                  <a:alpha val="80000"/>
+                </a:srgbClr>
+              </a:solidFill>
+              <a:prstDash val="dash"/>
+            </a:ln>
+          </p:spPr>
+          <p:style>
+            <a:lnRef idx="2">
+              <a:schemeClr val="accent1">
+                <a:shade val="50000"/>
+              </a:schemeClr>
+            </a:lnRef>
+            <a:fillRef idx="1">
+              <a:schemeClr val="accent1"/>
+            </a:fillRef>
+            <a:effectRef idx="0">
+              <a:schemeClr val="accent1"/>
+            </a:effectRef>
+            <a:fontRef idx="minor">
+              <a:schemeClr val="lt1"/>
+            </a:fontRef>
+          </p:style>
+          <p:txBody>
+            <a:bodyPr rtlCol="0" anchor="ctr"/>
+            <a:lstStyle/>
+            <a:p>
+              <a:pPr algn="ctr"/>
+              <a:endParaRPr lang="en-US" b="1">
+                <a:latin typeface="Times" pitchFamily="2" charset="0"/>
+              </a:endParaRPr>
+            </a:p>
+          </p:txBody>
+        </p:sp>
+        <p:sp>
+          <p:nvSpPr>
+            <p:cNvPr id="46" name="Rectangle 45">
+              <a:extLst>
+                <a:ext uri="{FF2B5EF4-FFF2-40B4-BE49-F238E27FC236}">
+                  <a16:creationId xmlns:a16="http://schemas.microsoft.com/office/drawing/2014/main" id="{05391F3A-534B-A844-A244-126C8694031A}"/>
+                </a:ext>
+              </a:extLst>
+            </p:cNvPr>
+            <p:cNvSpPr/>
+            <p:nvPr/>
+          </p:nvSpPr>
+          <p:spPr>
+            <a:xfrm>
+              <a:off x="3144274" y="8220303"/>
+              <a:ext cx="857997" cy="48781"/>
+            </a:xfrm>
+            <a:prstGeom prst="rect">
+              <a:avLst/>
+            </a:prstGeom>
+            <a:solidFill>
+              <a:schemeClr val="bg1"/>
+            </a:solidFill>
+            <a:ln w="41275">
+              <a:solidFill>
+                <a:schemeClr val="tx1">
+                  <a:lumMod val="75000"/>
+                  <a:lumOff val="25000"/>
                 </a:schemeClr>
-              </a:lnRef>
-              <a:fillRef idx="1">
-                <a:schemeClr val="accent1"/>
-              </a:fillRef>
-              <a:effectRef idx="0">
-                <a:schemeClr val="accent1"/>
-              </a:effectRef>
-              <a:fontRef idx="minor">
-                <a:schemeClr val="lt1"/>
-              </a:fontRef>
-            </p:style>
-            <p:txBody>
-              <a:bodyPr rtlCol="0" anchor="ctr"/>
-              <a:lstStyle/>
-              <a:p>
-                <a:pPr algn="ctr"/>
-                <a:endParaRPr lang="en-US" b="1" dirty="0">
-                  <a:latin typeface="Times" pitchFamily="2" charset="0"/>
-                </a:endParaRPr>
-              </a:p>
-            </p:txBody>
-          </p:sp>
-          <p:sp>
-            <p:nvSpPr>
-              <p:cNvPr id="64" name="Rectangle 63">
-                <a:extLst>
-                  <a:ext uri="{FF2B5EF4-FFF2-40B4-BE49-F238E27FC236}">
-                    <a16:creationId xmlns:a16="http://schemas.microsoft.com/office/drawing/2014/main" id="{ED083CAF-2D34-FC4F-9ECE-241B9BC92F6C}"/>
-                  </a:ext>
-                </a:extLst>
-              </p:cNvPr>
-              <p:cNvSpPr/>
-              <p:nvPr/>
-            </p:nvSpPr>
-            <p:spPr>
-              <a:xfrm>
-                <a:off x="677311" y="9384858"/>
-                <a:ext cx="847852" cy="56530"/>
-              </a:xfrm>
-              <a:prstGeom prst="rect">
-                <a:avLst/>
-              </a:prstGeom>
-              <a:solidFill>
-                <a:schemeClr val="bg1"/>
               </a:solidFill>
-              <a:ln w="41275">
-                <a:solidFill>
-                  <a:srgbClr val="F6A21F"/>
-                </a:solidFill>
-                <a:prstDash val="dash"/>
-              </a:ln>
-            </p:spPr>
-            <p:style>
-              <a:lnRef idx="2">
-                <a:schemeClr val="accent1">
-                  <a:shade val="50000"/>
-                </a:schemeClr>
-              </a:lnRef>
-              <a:fillRef idx="1">
-                <a:schemeClr val="accent1"/>
-              </a:fillRef>
-              <a:effectRef idx="0">
-                <a:schemeClr val="accent1"/>
-              </a:effectRef>
-              <a:fontRef idx="minor">
-                <a:schemeClr val="lt1"/>
-              </a:fontRef>
-            </p:style>
-            <p:txBody>
-              <a:bodyPr rtlCol="0" anchor="ctr"/>
-              <a:lstStyle/>
-              <a:p>
-                <a:pPr algn="ctr"/>
-                <a:endParaRPr lang="en-US" b="1">
-                  <a:latin typeface="Times" pitchFamily="2" charset="0"/>
-                </a:endParaRPr>
-              </a:p>
-            </p:txBody>
-          </p:sp>
-          <p:sp>
-            <p:nvSpPr>
-              <p:cNvPr id="65" name="Rectangle 64">
-                <a:extLst>
-                  <a:ext uri="{FF2B5EF4-FFF2-40B4-BE49-F238E27FC236}">
-                    <a16:creationId xmlns:a16="http://schemas.microsoft.com/office/drawing/2014/main" id="{99885D5D-49B6-4C44-9530-1DFF91A0702C}"/>
-                  </a:ext>
-                </a:extLst>
-              </p:cNvPr>
-              <p:cNvSpPr/>
-              <p:nvPr/>
-            </p:nvSpPr>
-            <p:spPr>
-              <a:xfrm>
-                <a:off x="687821" y="9675383"/>
-                <a:ext cx="847852" cy="56530"/>
-              </a:xfrm>
-              <a:prstGeom prst="rect">
-                <a:avLst/>
-              </a:prstGeom>
-              <a:solidFill>
-                <a:srgbClr val="F6A21F"/>
-              </a:solidFill>
-              <a:ln w="34925">
-                <a:solidFill>
-                  <a:srgbClr val="F6A21F"/>
-                </a:solidFill>
-                <a:prstDash val="solid"/>
-              </a:ln>
-            </p:spPr>
-            <p:style>
-              <a:lnRef idx="2">
-                <a:schemeClr val="accent1">
-                  <a:shade val="50000"/>
-                </a:schemeClr>
-              </a:lnRef>
-              <a:fillRef idx="1">
-                <a:schemeClr val="accent1"/>
-              </a:fillRef>
-              <a:effectRef idx="0">
-                <a:schemeClr val="accent1"/>
-              </a:effectRef>
-              <a:fontRef idx="minor">
-                <a:schemeClr val="lt1"/>
-              </a:fontRef>
-            </p:style>
-            <p:txBody>
-              <a:bodyPr rtlCol="0" anchor="ctr"/>
-              <a:lstStyle/>
-              <a:p>
-                <a:pPr algn="ctr"/>
-                <a:endParaRPr lang="en-US" b="1">
-                  <a:latin typeface="Times" pitchFamily="2" charset="0"/>
-                </a:endParaRPr>
-              </a:p>
-            </p:txBody>
-          </p:sp>
-          <p:sp>
-            <p:nvSpPr>
-              <p:cNvPr id="75" name="Rectangle 74">
-                <a:extLst>
-                  <a:ext uri="{FF2B5EF4-FFF2-40B4-BE49-F238E27FC236}">
-                    <a16:creationId xmlns:a16="http://schemas.microsoft.com/office/drawing/2014/main" id="{940007BE-803A-2847-8E24-34B61AE21024}"/>
-                  </a:ext>
-                </a:extLst>
-              </p:cNvPr>
-              <p:cNvSpPr/>
-              <p:nvPr/>
-            </p:nvSpPr>
-            <p:spPr>
-              <a:xfrm>
-                <a:off x="687292" y="10303163"/>
-                <a:ext cx="847852" cy="56530"/>
-              </a:xfrm>
-              <a:prstGeom prst="rect">
-                <a:avLst/>
-              </a:prstGeom>
-              <a:solidFill>
-                <a:srgbClr val="0078B6"/>
-              </a:solidFill>
-              <a:ln w="34925">
-                <a:solidFill>
-                  <a:srgbClr val="0078B6"/>
-                </a:solidFill>
-                <a:prstDash val="solid"/>
-              </a:ln>
-            </p:spPr>
-            <p:style>
-              <a:lnRef idx="2">
-                <a:schemeClr val="accent1">
-                  <a:shade val="50000"/>
-                </a:schemeClr>
-              </a:lnRef>
-              <a:fillRef idx="1">
-                <a:schemeClr val="accent1"/>
-              </a:fillRef>
-              <a:effectRef idx="0">
-                <a:schemeClr val="accent1"/>
-              </a:effectRef>
-              <a:fontRef idx="minor">
-                <a:schemeClr val="lt1"/>
-              </a:fontRef>
-            </p:style>
-            <p:txBody>
-              <a:bodyPr rtlCol="0" anchor="ctr"/>
-              <a:lstStyle/>
-              <a:p>
-                <a:pPr algn="ctr"/>
-                <a:endParaRPr lang="en-US" b="1">
-                  <a:latin typeface="Times" pitchFamily="2" charset="0"/>
-                </a:endParaRPr>
-              </a:p>
-            </p:txBody>
-          </p:sp>
-          <p:sp>
-            <p:nvSpPr>
-              <p:cNvPr id="74" name="Rectangle 73">
-                <a:extLst>
-                  <a:ext uri="{FF2B5EF4-FFF2-40B4-BE49-F238E27FC236}">
-                    <a16:creationId xmlns:a16="http://schemas.microsoft.com/office/drawing/2014/main" id="{C34BEA0B-E935-7B48-8AB2-AD51E2A96C52}"/>
-                  </a:ext>
-                </a:extLst>
-              </p:cNvPr>
-              <p:cNvSpPr/>
-              <p:nvPr/>
-            </p:nvSpPr>
-            <p:spPr>
-              <a:xfrm>
-                <a:off x="687292" y="10007383"/>
-                <a:ext cx="847852" cy="56530"/>
-              </a:xfrm>
-              <a:prstGeom prst="rect">
-                <a:avLst/>
-              </a:prstGeom>
-              <a:solidFill>
-                <a:schemeClr val="bg1"/>
-              </a:solidFill>
-              <a:ln w="41275">
-                <a:solidFill>
-                  <a:srgbClr val="0078B6"/>
-                </a:solidFill>
-                <a:prstDash val="dash"/>
-              </a:ln>
-            </p:spPr>
-            <p:style>
-              <a:lnRef idx="2">
-                <a:schemeClr val="accent1">
-                  <a:shade val="50000"/>
-                </a:schemeClr>
-              </a:lnRef>
-              <a:fillRef idx="1">
-                <a:schemeClr val="accent1"/>
-              </a:fillRef>
-              <a:effectRef idx="0">
-                <a:schemeClr val="accent1"/>
-              </a:effectRef>
-              <a:fontRef idx="minor">
-                <a:schemeClr val="lt1"/>
-              </a:fontRef>
-            </p:style>
-            <p:txBody>
-              <a:bodyPr rtlCol="0" anchor="ctr"/>
-              <a:lstStyle/>
-              <a:p>
-                <a:pPr algn="ctr"/>
-                <a:endParaRPr lang="en-US" b="1">
-                  <a:latin typeface="Times" pitchFamily="2" charset="0"/>
-                </a:endParaRPr>
-              </a:p>
-            </p:txBody>
-          </p:sp>
-          <p:sp>
-            <p:nvSpPr>
-              <p:cNvPr id="46" name="Rectangle 45">
-                <a:extLst>
-                  <a:ext uri="{FF2B5EF4-FFF2-40B4-BE49-F238E27FC236}">
-                    <a16:creationId xmlns:a16="http://schemas.microsoft.com/office/drawing/2014/main" id="{05391F3A-534B-A844-A244-126C8694031A}"/>
-                  </a:ext>
-                </a:extLst>
-              </p:cNvPr>
-              <p:cNvSpPr/>
-              <p:nvPr/>
-            </p:nvSpPr>
-            <p:spPr>
-              <a:xfrm>
-                <a:off x="675202" y="8814152"/>
-                <a:ext cx="857997" cy="48781"/>
-              </a:xfrm>
-              <a:prstGeom prst="rect">
-                <a:avLst/>
-              </a:prstGeom>
-              <a:solidFill>
-                <a:schemeClr val="bg1"/>
-              </a:solidFill>
-              <a:ln w="41275">
-                <a:solidFill>
-                  <a:schemeClr val="tx1">
-                    <a:lumMod val="75000"/>
-                    <a:lumOff val="25000"/>
-                  </a:schemeClr>
-                </a:solidFill>
-                <a:prstDash val="sysDot"/>
-              </a:ln>
-            </p:spPr>
-            <p:style>
-              <a:lnRef idx="2">
-                <a:schemeClr val="accent1">
-                  <a:shade val="50000"/>
-                </a:schemeClr>
-              </a:lnRef>
-              <a:fillRef idx="1">
-                <a:schemeClr val="accent1"/>
-              </a:fillRef>
-              <a:effectRef idx="0">
-                <a:schemeClr val="accent1"/>
-              </a:effectRef>
-              <a:fontRef idx="minor">
-                <a:schemeClr val="lt1"/>
-              </a:fontRef>
-            </p:style>
-            <p:txBody>
-              <a:bodyPr rtlCol="0" anchor="ctr"/>
-              <a:lstStyle/>
-              <a:p>
-                <a:pPr algn="ctr"/>
-                <a:endParaRPr lang="en-US" b="1" dirty="0">
-                  <a:latin typeface="Times" pitchFamily="2" charset="0"/>
-                </a:endParaRPr>
-              </a:p>
-            </p:txBody>
-          </p:sp>
-        </p:grpSp>
+              <a:prstDash val="sysDot"/>
+            </a:ln>
+          </p:spPr>
+          <p:style>
+            <a:lnRef idx="2">
+              <a:schemeClr val="accent1">
+                <a:shade val="50000"/>
+              </a:schemeClr>
+            </a:lnRef>
+            <a:fillRef idx="1">
+              <a:schemeClr val="accent1"/>
+            </a:fillRef>
+            <a:effectRef idx="0">
+              <a:schemeClr val="accent1"/>
+            </a:effectRef>
+            <a:fontRef idx="minor">
+              <a:schemeClr val="lt1"/>
+            </a:fontRef>
+          </p:style>
+          <p:txBody>
+            <a:bodyPr rtlCol="0" anchor="ctr"/>
+            <a:lstStyle/>
+            <a:p>
+              <a:pPr algn="ctr"/>
+              <a:endParaRPr lang="en-US" b="1" dirty="0">
+                <a:latin typeface="Times" pitchFamily="2" charset="0"/>
+              </a:endParaRPr>
+            </a:p>
+          </p:txBody>
+        </p:sp>
         <p:sp>
           <p:nvSpPr>
             <p:cNvPr id="116" name="TextBox 115">
